--- a/private/icon.pptx
+++ b/private/icon.pptx
@@ -3355,10 +3355,10 @@
       </p:grpSpPr>
       <p:sp>
         <p:nvSpPr>
-          <p:cNvPr id="9" name="Rectangle 8">
-            <a:extLst>
-              <a:ext uri="{FF2B5EF4-FFF2-40B4-BE49-F238E27FC236}">
-                <a16:creationId xmlns:a16="http://schemas.microsoft.com/office/drawing/2014/main" id="{24788420-D221-4D4E-8E3B-F94D2BBA7D96}"/>
+          <p:cNvPr id="2" name="Rectangle 1">
+            <a:extLst>
+              <a:ext uri="{FF2B5EF4-FFF2-40B4-BE49-F238E27FC236}">
+                <a16:creationId xmlns:a16="http://schemas.microsoft.com/office/drawing/2014/main" id="{B9BB7FB5-F261-4782-A007-AC734CA3A80D}"/>
               </a:ext>
             </a:extLst>
           </p:cNvPr>
@@ -3367,7 +3367,65 @@
         </p:nvSpPr>
         <p:spPr>
           <a:xfrm>
-            <a:off x="5584185" y="2971800"/>
+            <a:off x="8331675" y="3205643"/>
+            <a:ext cx="1440000" cy="1440000"/>
+          </a:xfrm>
+          <a:prstGeom prst="rect">
+            <a:avLst/>
+          </a:prstGeom>
+          <a:solidFill>
+            <a:srgbClr val="92D050"/>
+          </a:solidFill>
+          <a:ln>
+            <a:solidFill>
+              <a:schemeClr val="bg1"/>
+            </a:solidFill>
+          </a:ln>
+        </p:spPr>
+        <p:style>
+          <a:lnRef idx="2">
+            <a:schemeClr val="accent1">
+              <a:shade val="50000"/>
+            </a:schemeClr>
+          </a:lnRef>
+          <a:fillRef idx="1">
+            <a:schemeClr val="accent1"/>
+          </a:fillRef>
+          <a:effectRef idx="0">
+            <a:schemeClr val="accent1"/>
+          </a:effectRef>
+          <a:fontRef idx="minor">
+            <a:schemeClr val="lt1"/>
+          </a:fontRef>
+        </p:style>
+        <p:txBody>
+          <a:bodyPr rtlCol="0" anchor="ctr"/>
+          <a:lstStyle/>
+          <a:p>
+            <a:pPr algn="ctr"/>
+            <a:endParaRPr lang="en-GB">
+              <a:solidFill>
+                <a:schemeClr val="accent4"/>
+              </a:solidFill>
+            </a:endParaRPr>
+          </a:p>
+        </p:txBody>
+      </p:sp>
+      <p:sp>
+        <p:nvSpPr>
+          <p:cNvPr id="9" name="Rectangle 8">
+            <a:extLst>
+              <a:ext uri="{FF2B5EF4-FFF2-40B4-BE49-F238E27FC236}">
+                <a16:creationId xmlns:a16="http://schemas.microsoft.com/office/drawing/2014/main" id="{24788420-D221-4D4E-8E3B-F94D2BBA7D96}"/>
+              </a:ext>
+            </a:extLst>
+          </p:cNvPr>
+          <p:cNvSpPr/>
+          <p:nvPr/>
+        </p:nvSpPr>
+        <p:spPr>
+          <a:xfrm>
+            <a:off x="8511675" y="3385643"/>
             <a:ext cx="1080000" cy="1080000"/>
           </a:xfrm>
           <a:prstGeom prst="rect">
@@ -3430,7 +3488,7 @@
         </p:blipFill>
         <p:spPr>
           <a:xfrm>
-            <a:off x="5584185" y="2971800"/>
+            <a:off x="8511675" y="3385643"/>
             <a:ext cx="914400" cy="914400"/>
           </a:xfrm>
           <a:prstGeom prst="rect">
@@ -3460,7 +3518,7 @@
         </p:nvSpPr>
         <p:spPr>
           <a:xfrm>
-            <a:off x="5972961" y="3489820"/>
+            <a:off x="8900451" y="3903663"/>
             <a:ext cx="580239" cy="486562"/>
           </a:xfrm>
           <a:prstGeom prst="rightArrow">
@@ -3475,7 +3533,7 @@
             </a:solidFill>
           </a:ln>
           <a:effectLst>
-            <a:glow rad="139700">
+            <a:glow>
               <a:schemeClr val="accent1">
                 <a:satMod val="175000"/>
                 <a:alpha val="40000"/>
@@ -3508,6 +3566,190 @@
           </a:p>
         </p:txBody>
       </p:sp>
+      <p:pic>
+        <p:nvPicPr>
+          <p:cNvPr id="4" name="Picture 3">
+            <a:extLst>
+              <a:ext uri="{FF2B5EF4-FFF2-40B4-BE49-F238E27FC236}">
+                <a16:creationId xmlns:a16="http://schemas.microsoft.com/office/drawing/2014/main" id="{CFCBBF75-71B9-465A-A942-5EB6E86302D6}"/>
+              </a:ext>
+            </a:extLst>
+          </p:cNvPr>
+          <p:cNvPicPr>
+            <a:picLocks noChangeAspect="1"/>
+          </p:cNvPicPr>
+          <p:nvPr/>
+        </p:nvPicPr>
+        <p:blipFill>
+          <a:blip r:embed="rId4">
+            <a:clrChange>
+              <a:clrFrom>
+                <a:srgbClr val="FF0000"/>
+              </a:clrFrom>
+              <a:clrTo>
+                <a:srgbClr val="FF0000">
+                  <a:alpha val="0"/>
+                </a:srgbClr>
+              </a:clrTo>
+            </a:clrChange>
+            <a:extLst>
+              <a:ext uri="{28A0092B-C50C-407E-A947-70E740481C1C}">
+                <a14:useLocalDpi xmlns:a14="http://schemas.microsoft.com/office/drawing/2010/main" val="0"/>
+              </a:ext>
+            </a:extLst>
+          </a:blip>
+          <a:stretch>
+            <a:fillRect/>
+          </a:stretch>
+        </p:blipFill>
+        <p:spPr>
+          <a:xfrm>
+            <a:off x="2627313" y="1160463"/>
+            <a:ext cx="1450974" cy="1450974"/>
+          </a:xfrm>
+          <a:prstGeom prst="rect">
+            <a:avLst/>
+          </a:prstGeom>
+        </p:spPr>
+      </p:pic>
+      <p:pic>
+        <p:nvPicPr>
+          <p:cNvPr id="7" name="Picture 6">
+            <a:extLst>
+              <a:ext uri="{FF2B5EF4-FFF2-40B4-BE49-F238E27FC236}">
+                <a16:creationId xmlns:a16="http://schemas.microsoft.com/office/drawing/2014/main" id="{089996C6-8C91-42A2-8662-20335A9B8EC1}"/>
+              </a:ext>
+            </a:extLst>
+          </p:cNvPr>
+          <p:cNvPicPr>
+            <a:picLocks noChangeAspect="1"/>
+          </p:cNvPicPr>
+          <p:nvPr/>
+        </p:nvPicPr>
+        <p:blipFill>
+          <a:blip r:embed="rId5">
+            <a:clrChange>
+              <a:clrFrom>
+                <a:srgbClr val="E80918"/>
+              </a:clrFrom>
+              <a:clrTo>
+                <a:srgbClr val="E80918">
+                  <a:alpha val="0"/>
+                </a:srgbClr>
+              </a:clrTo>
+            </a:clrChange>
+            <a:extLst>
+              <a:ext uri="{28A0092B-C50C-407E-A947-70E740481C1C}">
+                <a14:useLocalDpi xmlns:a14="http://schemas.microsoft.com/office/drawing/2010/main" val="0"/>
+              </a:ext>
+            </a:extLst>
+          </a:blip>
+          <a:stretch>
+            <a:fillRect/>
+          </a:stretch>
+        </p:blipFill>
+        <p:spPr>
+          <a:xfrm>
+            <a:off x="8591277" y="799827"/>
+            <a:ext cx="1448346" cy="1448346"/>
+          </a:xfrm>
+          <a:prstGeom prst="rect">
+            <a:avLst/>
+          </a:prstGeom>
+        </p:spPr>
+      </p:pic>
+      <p:pic>
+        <p:nvPicPr>
+          <p:cNvPr id="11" name="Picture 10">
+            <a:extLst>
+              <a:ext uri="{FF2B5EF4-FFF2-40B4-BE49-F238E27FC236}">
+                <a16:creationId xmlns:a16="http://schemas.microsoft.com/office/drawing/2014/main" id="{8858DFEE-96DF-4B39-8539-900C4486704F}"/>
+              </a:ext>
+            </a:extLst>
+          </p:cNvPr>
+          <p:cNvPicPr>
+            <a:picLocks noChangeAspect="1"/>
+          </p:cNvPicPr>
+          <p:nvPr/>
+        </p:nvPicPr>
+        <p:blipFill>
+          <a:blip r:embed="rId6">
+            <a:clrChange>
+              <a:clrFrom>
+                <a:srgbClr val="92D050"/>
+              </a:clrFrom>
+              <a:clrTo>
+                <a:srgbClr val="92D050">
+                  <a:alpha val="0"/>
+                </a:srgbClr>
+              </a:clrTo>
+            </a:clrChange>
+            <a:extLst>
+              <a:ext uri="{28A0092B-C50C-407E-A947-70E740481C1C}">
+                <a14:useLocalDpi xmlns:a14="http://schemas.microsoft.com/office/drawing/2010/main" val="0"/>
+              </a:ext>
+            </a:extLst>
+          </a:blip>
+          <a:stretch>
+            <a:fillRect/>
+          </a:stretch>
+        </p:blipFill>
+        <p:spPr>
+          <a:xfrm>
+            <a:off x="2170113" y="3903663"/>
+            <a:ext cx="1450974" cy="1450974"/>
+          </a:xfrm>
+          <a:prstGeom prst="rect">
+            <a:avLst/>
+          </a:prstGeom>
+        </p:spPr>
+      </p:pic>
+      <p:pic>
+        <p:nvPicPr>
+          <p:cNvPr id="13" name="Picture 12">
+            <a:extLst>
+              <a:ext uri="{FF2B5EF4-FFF2-40B4-BE49-F238E27FC236}">
+                <a16:creationId xmlns:a16="http://schemas.microsoft.com/office/drawing/2014/main" id="{453ED7CF-904C-45D1-96FC-7D83CF8269C7}"/>
+              </a:ext>
+            </a:extLst>
+          </p:cNvPr>
+          <p:cNvPicPr>
+            <a:picLocks noChangeAspect="1"/>
+          </p:cNvPicPr>
+          <p:nvPr/>
+        </p:nvPicPr>
+        <p:blipFill>
+          <a:blip r:embed="rId7">
+            <a:clrChange>
+              <a:clrFrom>
+                <a:srgbClr val="92D050"/>
+              </a:clrFrom>
+              <a:clrTo>
+                <a:srgbClr val="92D050">
+                  <a:alpha val="0"/>
+                </a:srgbClr>
+              </a:clrTo>
+            </a:clrChange>
+            <a:extLst>
+              <a:ext uri="{28A0092B-C50C-407E-A947-70E740481C1C}">
+                <a14:useLocalDpi xmlns:a14="http://schemas.microsoft.com/office/drawing/2010/main" val="0"/>
+              </a:ext>
+            </a:extLst>
+          </a:blip>
+          <a:stretch>
+            <a:fillRect/>
+          </a:stretch>
+        </p:blipFill>
+        <p:spPr>
+          <a:xfrm>
+            <a:off x="5370513" y="2703513"/>
+            <a:ext cx="1450974" cy="1450974"/>
+          </a:xfrm>
+          <a:prstGeom prst="rect">
+            <a:avLst/>
+          </a:prstGeom>
+        </p:spPr>
+      </p:pic>
     </p:spTree>
     <p:extLst>
       <p:ext uri="{BB962C8B-B14F-4D97-AF65-F5344CB8AC3E}">
@@ -3538,6 +3780,96 @@
           <a:chExt cx="0" cy="0"/>
         </a:xfrm>
       </p:grpSpPr>
+      <p:sp>
+        <p:nvSpPr>
+          <p:cNvPr id="2" name="Rectangle 1">
+            <a:extLst>
+              <a:ext uri="{FF2B5EF4-FFF2-40B4-BE49-F238E27FC236}">
+                <a16:creationId xmlns:a16="http://schemas.microsoft.com/office/drawing/2014/main" id="{0E62FD97-66E8-43A7-9AF1-73262C057CA6}"/>
+              </a:ext>
+            </a:extLst>
+          </p:cNvPr>
+          <p:cNvSpPr/>
+          <p:nvPr/>
+        </p:nvSpPr>
+        <p:spPr>
+          <a:xfrm>
+            <a:off x="2209133" y="1253626"/>
+            <a:ext cx="6912000" cy="4320000"/>
+          </a:xfrm>
+          <a:prstGeom prst="rect">
+            <a:avLst/>
+          </a:prstGeom>
+          <a:solidFill>
+            <a:schemeClr val="bg1"/>
+          </a:solidFill>
+          <a:ln>
+            <a:solidFill>
+              <a:schemeClr val="bg1"/>
+            </a:solidFill>
+          </a:ln>
+        </p:spPr>
+        <p:style>
+          <a:lnRef idx="2">
+            <a:schemeClr val="accent1">
+              <a:shade val="50000"/>
+            </a:schemeClr>
+          </a:lnRef>
+          <a:fillRef idx="1">
+            <a:schemeClr val="accent1"/>
+          </a:fillRef>
+          <a:effectRef idx="0">
+            <a:schemeClr val="accent1"/>
+          </a:effectRef>
+          <a:fontRef idx="minor">
+            <a:schemeClr val="lt1"/>
+          </a:fontRef>
+        </p:style>
+        <p:txBody>
+          <a:bodyPr rtlCol="0" anchor="ctr"/>
+          <a:lstStyle/>
+          <a:p>
+            <a:pPr algn="ctr"/>
+            <a:endParaRPr lang="en-GB"/>
+          </a:p>
+        </p:txBody>
+      </p:sp>
+      <p:pic>
+        <p:nvPicPr>
+          <p:cNvPr id="4" name="Picture 3">
+            <a:extLst>
+              <a:ext uri="{FF2B5EF4-FFF2-40B4-BE49-F238E27FC236}">
+                <a16:creationId xmlns:a16="http://schemas.microsoft.com/office/drawing/2014/main" id="{C9B86285-07F5-4B4C-AEE2-A0DB25BB16F2}"/>
+              </a:ext>
+            </a:extLst>
+          </p:cNvPr>
+          <p:cNvPicPr>
+            <a:picLocks noChangeAspect="1"/>
+          </p:cNvPicPr>
+          <p:nvPr/>
+        </p:nvPicPr>
+        <p:blipFill>
+          <a:blip r:embed="rId2">
+            <a:extLst>
+              <a:ext uri="{28A0092B-C50C-407E-A947-70E740481C1C}">
+                <a14:useLocalDpi xmlns:a14="http://schemas.microsoft.com/office/drawing/2010/main" val="0"/>
+              </a:ext>
+            </a:extLst>
+          </a:blip>
+          <a:stretch>
+            <a:fillRect/>
+          </a:stretch>
+        </p:blipFill>
+        <p:spPr>
+          <a:xfrm>
+            <a:off x="2952750" y="1893145"/>
+            <a:ext cx="5424767" cy="3040962"/>
+          </a:xfrm>
+          <a:prstGeom prst="rect">
+            <a:avLst/>
+          </a:prstGeom>
+        </p:spPr>
+      </p:pic>
     </p:spTree>
     <p:extLst>
       <p:ext uri="{BB962C8B-B14F-4D97-AF65-F5344CB8AC3E}">
